--- a/TDD - Volamus.pptx
+++ b/TDD - Volamus.pptx
@@ -110,6 +110,11 @@
       </a:defRPr>
     </a:lvl9pPr>
   </p:defaultTextStyle>
+  <p:extLst>
+    <p:ext uri="{EFAFB233-063F-42B5-8137-9DF3F51BA10A}">
+      <p15:sldGuideLst xmlns:p15="http://schemas.microsoft.com/office/powerpoint/2012/main"/>
+    </p:ext>
+  </p:extLst>
 </p:presentation>
 </file>
 
@@ -283,7 +288,7 @@
           <a:p>
             <a:fld id="{48A87A34-81AB-432B-8DAE-1953F412C126}" type="datetimeFigureOut">
               <a:rPr lang="en-US" dirty="0"/>
-              <a:t>5/11/2016</a:t>
+              <a:t>5/12/2016</a:t>
             </a:fld>
             <a:endParaRPr lang="en-US" dirty="0"/>
           </a:p>
@@ -545,7 +550,7 @@
           <a:p>
             <a:fld id="{48A87A34-81AB-432B-8DAE-1953F412C126}" type="datetimeFigureOut">
               <a:rPr lang="en-US" dirty="0"/>
-              <a:t>5/11/2016</a:t>
+              <a:t>5/12/2016</a:t>
             </a:fld>
             <a:endParaRPr lang="en-US" dirty="0"/>
           </a:p>
@@ -772,7 +777,7 @@
             <a:fld id="{48A87A34-81AB-432B-8DAE-1953F412C126}" type="datetimeFigureOut">
               <a:rPr lang="en-US" dirty="0"/>
               <a:pPr/>
-              <a:t>5/11/2016</a:t>
+              <a:t>5/12/2016</a:t>
             </a:fld>
             <a:endParaRPr lang="en-US" dirty="0"/>
           </a:p>
@@ -1078,7 +1083,7 @@
             <a:fld id="{48A87A34-81AB-432B-8DAE-1953F412C126}" type="datetimeFigureOut">
               <a:rPr lang="en-US" dirty="0"/>
               <a:pPr/>
-              <a:t>5/11/2016</a:t>
+              <a:t>5/12/2016</a:t>
             </a:fld>
             <a:endParaRPr lang="en-US" dirty="0"/>
           </a:p>
@@ -1547,7 +1552,7 @@
             <a:fld id="{48A87A34-81AB-432B-8DAE-1953F412C126}" type="datetimeFigureOut">
               <a:rPr lang="en-US" dirty="0"/>
               <a:pPr/>
-              <a:t>5/11/2016</a:t>
+              <a:t>5/12/2016</a:t>
             </a:fld>
             <a:endParaRPr lang="en-US" dirty="0"/>
           </a:p>
@@ -2089,7 +2094,7 @@
           <a:p>
             <a:fld id="{48A87A34-81AB-432B-8DAE-1953F412C126}" type="datetimeFigureOut">
               <a:rPr lang="en-US" dirty="0"/>
-              <a:t>5/11/2016</a:t>
+              <a:t>5/12/2016</a:t>
             </a:fld>
             <a:endParaRPr lang="en-US" dirty="0"/>
           </a:p>
@@ -2858,7 +2863,7 @@
           <a:p>
             <a:fld id="{48A87A34-81AB-432B-8DAE-1953F412C126}" type="datetimeFigureOut">
               <a:rPr lang="en-US" dirty="0"/>
-              <a:t>5/11/2016</a:t>
+              <a:t>5/12/2016</a:t>
             </a:fld>
             <a:endParaRPr lang="en-US" dirty="0"/>
           </a:p>
@@ -3028,7 +3033,7 @@
           <a:p>
             <a:fld id="{48A87A34-81AB-432B-8DAE-1953F412C126}" type="datetimeFigureOut">
               <a:rPr lang="en-US" dirty="0"/>
-              <a:t>5/11/2016</a:t>
+              <a:t>5/12/2016</a:t>
             </a:fld>
             <a:endParaRPr lang="en-US" dirty="0"/>
           </a:p>
@@ -3247,7 +3252,7 @@
             <a:fld id="{48A87A34-81AB-432B-8DAE-1953F412C126}" type="datetimeFigureOut">
               <a:rPr lang="en-US" dirty="0"/>
               <a:pPr/>
-              <a:t>5/11/2016</a:t>
+              <a:t>5/12/2016</a:t>
             </a:fld>
             <a:endParaRPr lang="en-US" dirty="0"/>
           </a:p>
@@ -3422,7 +3427,7 @@
           <a:p>
             <a:fld id="{48A87A34-81AB-432B-8DAE-1953F412C126}" type="datetimeFigureOut">
               <a:rPr lang="en-US" dirty="0"/>
-              <a:t>5/11/2016</a:t>
+              <a:t>5/12/2016</a:t>
             </a:fld>
             <a:endParaRPr lang="en-US" dirty="0"/>
           </a:p>
@@ -3707,7 +3712,7 @@
             <a:fld id="{48A87A34-81AB-432B-8DAE-1953F412C126}" type="datetimeFigureOut">
               <a:rPr lang="en-US" dirty="0"/>
               <a:pPr/>
-              <a:t>5/11/2016</a:t>
+              <a:t>5/12/2016</a:t>
             </a:fld>
             <a:endParaRPr lang="en-US" dirty="0"/>
           </a:p>
@@ -3944,7 +3949,7 @@
           <a:p>
             <a:fld id="{48A87A34-81AB-432B-8DAE-1953F412C126}" type="datetimeFigureOut">
               <a:rPr lang="en-US" dirty="0"/>
-              <a:t>5/11/2016</a:t>
+              <a:t>5/12/2016</a:t>
             </a:fld>
             <a:endParaRPr lang="en-US" dirty="0"/>
           </a:p>
@@ -4318,7 +4323,7 @@
           <a:p>
             <a:fld id="{48A87A34-81AB-432B-8DAE-1953F412C126}" type="datetimeFigureOut">
               <a:rPr lang="en-US" dirty="0"/>
-              <a:t>5/11/2016</a:t>
+              <a:t>5/12/2016</a:t>
             </a:fld>
             <a:endParaRPr lang="en-US" dirty="0"/>
           </a:p>
@@ -4431,7 +4436,7 @@
           <a:p>
             <a:fld id="{48A87A34-81AB-432B-8DAE-1953F412C126}" type="datetimeFigureOut">
               <a:rPr lang="en-US" dirty="0"/>
-              <a:t>5/11/2016</a:t>
+              <a:t>5/12/2016</a:t>
             </a:fld>
             <a:endParaRPr lang="en-US" dirty="0"/>
           </a:p>
@@ -4521,7 +4526,7 @@
           <a:p>
             <a:fld id="{48A87A34-81AB-432B-8DAE-1953F412C126}" type="datetimeFigureOut">
               <a:rPr lang="en-US" dirty="0"/>
-              <a:t>5/11/2016</a:t>
+              <a:t>5/12/2016</a:t>
             </a:fld>
             <a:endParaRPr lang="en-US" dirty="0"/>
           </a:p>
@@ -4765,7 +4770,7 @@
           <a:p>
             <a:fld id="{48A87A34-81AB-432B-8DAE-1953F412C126}" type="datetimeFigureOut">
               <a:rPr lang="en-US" dirty="0"/>
-              <a:t>5/11/2016</a:t>
+              <a:t>5/12/2016</a:t>
             </a:fld>
             <a:endParaRPr lang="en-US" dirty="0"/>
           </a:p>
@@ -5017,7 +5022,7 @@
           <a:p>
             <a:fld id="{48A87A34-81AB-432B-8DAE-1953F412C126}" type="datetimeFigureOut">
               <a:rPr lang="en-US" dirty="0"/>
-              <a:t>5/11/2016</a:t>
+              <a:t>5/12/2016</a:t>
             </a:fld>
             <a:endParaRPr lang="en-US" dirty="0"/>
           </a:p>
@@ -5256,7 +5261,7 @@
             <a:fld id="{48A87A34-81AB-432B-8DAE-1953F412C126}" type="datetimeFigureOut">
               <a:rPr lang="en-US" dirty="0"/>
               <a:pPr/>
-              <a:t>5/11/2016</a:t>
+              <a:t>5/12/2016</a:t>
             </a:fld>
             <a:endParaRPr lang="en-US" dirty="0"/>
           </a:p>
@@ -5802,24 +5807,11 @@
           <a:p>
             <a:r>
               <a:rPr lang="de-DE" dirty="0" smtClean="0"/>
-              <a:t>Team</a:t>
-            </a:r>
-          </a:p>
-          <a:p>
+              <a:t>Technical </a:t>
+            </a:r>
             <a:r>
               <a:rPr lang="de-DE" dirty="0" smtClean="0"/>
-              <a:t>Game </a:t>
-            </a:r>
-            <a:r>
-              <a:rPr lang="de-DE" dirty="0" err="1" smtClean="0"/>
-              <a:t>Concept</a:t>
-            </a:r>
-            <a:endParaRPr lang="de-DE" dirty="0" smtClean="0"/>
-          </a:p>
-          <a:p>
-            <a:r>
-              <a:rPr lang="de-DE" dirty="0" smtClean="0"/>
-              <a:t>Technical Goals</a:t>
+              <a:t>Goals</a:t>
             </a:r>
           </a:p>
           <a:p>
